--- a/Лекция 1 09_09_2020.pptx
+++ b/Лекция 1 09_09_2020.pptx
@@ -41,6 +41,15 @@
     <p:sldId id="292" r:id="rId35"/>
     <p:sldId id="259" r:id="rId36"/>
     <p:sldId id="260" r:id="rId37"/>
+    <p:sldId id="295" r:id="rId38"/>
+    <p:sldId id="296" r:id="rId39"/>
+    <p:sldId id="297" r:id="rId40"/>
+    <p:sldId id="298" r:id="rId41"/>
+    <p:sldId id="299" r:id="rId42"/>
+    <p:sldId id="300" r:id="rId43"/>
+    <p:sldId id="301" r:id="rId44"/>
+    <p:sldId id="302" r:id="rId45"/>
+    <p:sldId id="303" r:id="rId46"/>
   </p:sldIdLst>
   <p:sldSz cx="12192000" cy="6858000"/>
   <p:notesSz cx="6858000" cy="9144000"/>
@@ -304,7 +313,7 @@
           <a:p>
             <a:fld id="{9F4DF3D0-C105-404D-A43B-7CBA1B97B744}" type="datetimeFigureOut">
               <a:rPr lang="ru-RU" smtClean="0"/>
-              <a:t>02.09.2020</a:t>
+              <a:t>18.09.2020</a:t>
             </a:fld>
             <a:endParaRPr lang="ru-RU"/>
           </a:p>
@@ -474,7 +483,7 @@
           <a:p>
             <a:fld id="{9F4DF3D0-C105-404D-A43B-7CBA1B97B744}" type="datetimeFigureOut">
               <a:rPr lang="ru-RU" smtClean="0"/>
-              <a:t>02.09.2020</a:t>
+              <a:t>18.09.2020</a:t>
             </a:fld>
             <a:endParaRPr lang="ru-RU"/>
           </a:p>
@@ -654,7 +663,7 @@
           <a:p>
             <a:fld id="{9F4DF3D0-C105-404D-A43B-7CBA1B97B744}" type="datetimeFigureOut">
               <a:rPr lang="ru-RU" smtClean="0"/>
-              <a:t>02.09.2020</a:t>
+              <a:t>18.09.2020</a:t>
             </a:fld>
             <a:endParaRPr lang="ru-RU"/>
           </a:p>
@@ -824,7 +833,7 @@
           <a:p>
             <a:fld id="{9F4DF3D0-C105-404D-A43B-7CBA1B97B744}" type="datetimeFigureOut">
               <a:rPr lang="ru-RU" smtClean="0"/>
-              <a:t>02.09.2020</a:t>
+              <a:t>18.09.2020</a:t>
             </a:fld>
             <a:endParaRPr lang="ru-RU"/>
           </a:p>
@@ -1070,7 +1079,7 @@
           <a:p>
             <a:fld id="{9F4DF3D0-C105-404D-A43B-7CBA1B97B744}" type="datetimeFigureOut">
               <a:rPr lang="ru-RU" smtClean="0"/>
-              <a:t>02.09.2020</a:t>
+              <a:t>18.09.2020</a:t>
             </a:fld>
             <a:endParaRPr lang="ru-RU"/>
           </a:p>
@@ -1302,7 +1311,7 @@
           <a:p>
             <a:fld id="{9F4DF3D0-C105-404D-A43B-7CBA1B97B744}" type="datetimeFigureOut">
               <a:rPr lang="ru-RU" smtClean="0"/>
-              <a:t>02.09.2020</a:t>
+              <a:t>18.09.2020</a:t>
             </a:fld>
             <a:endParaRPr lang="ru-RU"/>
           </a:p>
@@ -1669,7 +1678,7 @@
           <a:p>
             <a:fld id="{9F4DF3D0-C105-404D-A43B-7CBA1B97B744}" type="datetimeFigureOut">
               <a:rPr lang="ru-RU" smtClean="0"/>
-              <a:t>02.09.2020</a:t>
+              <a:t>18.09.2020</a:t>
             </a:fld>
             <a:endParaRPr lang="ru-RU"/>
           </a:p>
@@ -1787,7 +1796,7 @@
           <a:p>
             <a:fld id="{9F4DF3D0-C105-404D-A43B-7CBA1B97B744}" type="datetimeFigureOut">
               <a:rPr lang="ru-RU" smtClean="0"/>
-              <a:t>02.09.2020</a:t>
+              <a:t>18.09.2020</a:t>
             </a:fld>
             <a:endParaRPr lang="ru-RU"/>
           </a:p>
@@ -1882,7 +1891,7 @@
           <a:p>
             <a:fld id="{9F4DF3D0-C105-404D-A43B-7CBA1B97B744}" type="datetimeFigureOut">
               <a:rPr lang="ru-RU" smtClean="0"/>
-              <a:t>02.09.2020</a:t>
+              <a:t>18.09.2020</a:t>
             </a:fld>
             <a:endParaRPr lang="ru-RU"/>
           </a:p>
@@ -2159,7 +2168,7 @@
           <a:p>
             <a:fld id="{9F4DF3D0-C105-404D-A43B-7CBA1B97B744}" type="datetimeFigureOut">
               <a:rPr lang="ru-RU" smtClean="0"/>
-              <a:t>02.09.2020</a:t>
+              <a:t>18.09.2020</a:t>
             </a:fld>
             <a:endParaRPr lang="ru-RU"/>
           </a:p>
@@ -2412,7 +2421,7 @@
           <a:p>
             <a:fld id="{9F4DF3D0-C105-404D-A43B-7CBA1B97B744}" type="datetimeFigureOut">
               <a:rPr lang="ru-RU" smtClean="0"/>
-              <a:t>02.09.2020</a:t>
+              <a:t>18.09.2020</a:t>
             </a:fld>
             <a:endParaRPr lang="ru-RU"/>
           </a:p>
@@ -2625,7 +2634,7 @@
           <a:p>
             <a:fld id="{9F4DF3D0-C105-404D-A43B-7CBA1B97B744}" type="datetimeFigureOut">
               <a:rPr lang="ru-RU" smtClean="0"/>
-              <a:t>02.09.2020</a:t>
+              <a:t>18.09.2020</a:t>
             </a:fld>
             <a:endParaRPr lang="ru-RU"/>
           </a:p>
@@ -5245,13 +5254,8 @@
             </a:r>
             <a:r>
               <a:rPr lang="ru-RU" dirty="0" smtClean="0"/>
-              <a:t> </a:t>
-            </a:r>
-            <a:r>
-              <a:rPr lang="ru-RU" dirty="0" smtClean="0"/>
-              <a:t>модели.</a:t>
-            </a:r>
-            <a:endParaRPr lang="ru-RU" dirty="0" smtClean="0"/>
+              <a:t> модели.</a:t>
+            </a:r>
           </a:p>
           <a:p>
             <a:r>
@@ -5262,7 +5266,6 @@
               <a:rPr lang="ru-RU" dirty="0" smtClean="0"/>
               <a:t>.</a:t>
             </a:r>
-            <a:endParaRPr lang="ru-RU" dirty="0" smtClean="0"/>
           </a:p>
         </p:txBody>
       </p:sp>
@@ -6227,7 +6230,6 @@
               <a:rPr lang="ru-RU" dirty="0" smtClean="0"/>
               <a:t>.</a:t>
             </a:r>
-            <a:endParaRPr lang="ru-RU" dirty="0" smtClean="0"/>
           </a:p>
           <a:p>
             <a:pPr marL="0" indent="0">
@@ -8962,11 +8964,7 @@
           <a:p>
             <a:r>
               <a:rPr lang="ru-RU" sz="4000" dirty="0" smtClean="0"/>
-              <a:t>Интерпретация моделей машинного </a:t>
-            </a:r>
-            <a:r>
-              <a:rPr lang="ru-RU" sz="4000" dirty="0" smtClean="0"/>
-              <a:t>обучения</a:t>
+              <a:t>Интерпретация моделей машинного обучения</a:t>
             </a:r>
             <a:endParaRPr lang="ru-RU" sz="4000" dirty="0"/>
           </a:p>
@@ -10751,6 +10749,373 @@
 </p:sld>
 </file>
 
+<file path=ppt/slides/slide37.xml><?xml version="1.0" encoding="utf-8"?>
+<p:sld xmlns:a="http://schemas.openxmlformats.org/drawingml/2006/main" xmlns:r="http://schemas.openxmlformats.org/officeDocument/2006/relationships" xmlns:p="http://schemas.openxmlformats.org/presentationml/2006/main">
+  <p:cSld>
+    <p:spTree>
+      <p:nvGrpSpPr>
+        <p:cNvPr id="1" name=""/>
+        <p:cNvGrpSpPr/>
+        <p:nvPr/>
+      </p:nvGrpSpPr>
+      <p:grpSpPr>
+        <a:xfrm>
+          <a:off x="0" y="0"/>
+          <a:ext cx="0" cy="0"/>
+          <a:chOff x="0" y="0"/>
+          <a:chExt cx="0" cy="0"/>
+        </a:xfrm>
+      </p:grpSpPr>
+      <p:sp>
+        <p:nvSpPr>
+          <p:cNvPr id="2" name="Заголовок 1"/>
+          <p:cNvSpPr>
+            <a:spLocks noGrp="1"/>
+          </p:cNvSpPr>
+          <p:nvPr>
+            <p:ph type="title"/>
+          </p:nvPr>
+        </p:nvSpPr>
+        <p:spPr/>
+        <p:txBody>
+          <a:bodyPr/>
+          <a:lstStyle/>
+          <a:p>
+            <a:r>
+              <a:rPr lang="ru-RU" dirty="0" smtClean="0"/>
+              <a:t>Контрольные вопросы</a:t>
+            </a:r>
+            <a:endParaRPr lang="ru-RU" dirty="0"/>
+          </a:p>
+        </p:txBody>
+      </p:sp>
+      <p:sp>
+        <p:nvSpPr>
+          <p:cNvPr id="3" name="Объект 2"/>
+          <p:cNvSpPr>
+            <a:spLocks noGrp="1"/>
+          </p:cNvSpPr>
+          <p:nvPr>
+            <p:ph idx="1"/>
+          </p:nvPr>
+        </p:nvSpPr>
+        <p:spPr/>
+        <p:txBody>
+          <a:bodyPr>
+            <a:normAutofit/>
+          </a:bodyPr>
+          <a:lstStyle/>
+          <a:p>
+            <a:pPr marL="0" lvl="0" indent="0">
+              <a:buNone/>
+            </a:pPr>
+            <a:r>
+              <a:rPr lang="ru-RU" dirty="0"/>
+              <a:t>Как соотносятся машинное обучение и искусственный интеллект</a:t>
+            </a:r>
+            <a:r>
+              <a:rPr lang="ru-RU" dirty="0" smtClean="0"/>
+              <a:t>?</a:t>
+            </a:r>
+          </a:p>
+          <a:p>
+            <a:pPr marL="0" lvl="0" indent="0">
+              <a:buNone/>
+            </a:pPr>
+            <a:endParaRPr lang="ru-RU" dirty="0"/>
+          </a:p>
+          <a:p>
+            <a:pPr lvl="1"/>
+            <a:r>
+              <a:rPr lang="ru-RU" dirty="0"/>
+              <a:t>Это одно и то же.</a:t>
+            </a:r>
+          </a:p>
+          <a:p>
+            <a:pPr lvl="1"/>
+            <a:r>
+              <a:rPr lang="ru-RU" dirty="0"/>
+              <a:t>Машинное обучение – это часть искусственного интеллекта.</a:t>
+            </a:r>
+          </a:p>
+          <a:p>
+            <a:pPr lvl="1"/>
+            <a:r>
+              <a:rPr lang="ru-RU" dirty="0"/>
+              <a:t>Искусственный интеллект – это часть машинного обучения.</a:t>
+            </a:r>
+          </a:p>
+          <a:p>
+            <a:pPr lvl="1"/>
+            <a:r>
+              <a:rPr lang="ru-RU" dirty="0"/>
+              <a:t>Это не связанные между собой области</a:t>
+            </a:r>
+            <a:r>
+              <a:rPr lang="ru-RU" dirty="0" smtClean="0"/>
+              <a:t>.</a:t>
+            </a:r>
+            <a:endParaRPr lang="ru-RU" dirty="0"/>
+          </a:p>
+        </p:txBody>
+      </p:sp>
+    </p:spTree>
+    <p:extLst>
+      <p:ext uri="{BB962C8B-B14F-4D97-AF65-F5344CB8AC3E}">
+        <p14:creationId xmlns:p14="http://schemas.microsoft.com/office/powerpoint/2010/main" val="1502412752"/>
+      </p:ext>
+    </p:extLst>
+  </p:cSld>
+  <p:clrMapOvr>
+    <a:masterClrMapping/>
+  </p:clrMapOvr>
+</p:sld>
+</file>
+
+<file path=ppt/slides/slide38.xml><?xml version="1.0" encoding="utf-8"?>
+<p:sld xmlns:a="http://schemas.openxmlformats.org/drawingml/2006/main" xmlns:r="http://schemas.openxmlformats.org/officeDocument/2006/relationships" xmlns:p="http://schemas.openxmlformats.org/presentationml/2006/main">
+  <p:cSld>
+    <p:spTree>
+      <p:nvGrpSpPr>
+        <p:cNvPr id="1" name=""/>
+        <p:cNvGrpSpPr/>
+        <p:nvPr/>
+      </p:nvGrpSpPr>
+      <p:grpSpPr>
+        <a:xfrm>
+          <a:off x="0" y="0"/>
+          <a:ext cx="0" cy="0"/>
+          <a:chOff x="0" y="0"/>
+          <a:chExt cx="0" cy="0"/>
+        </a:xfrm>
+      </p:grpSpPr>
+      <p:sp>
+        <p:nvSpPr>
+          <p:cNvPr id="2" name="Заголовок 1"/>
+          <p:cNvSpPr>
+            <a:spLocks noGrp="1"/>
+          </p:cNvSpPr>
+          <p:nvPr>
+            <p:ph type="title"/>
+          </p:nvPr>
+        </p:nvSpPr>
+        <p:spPr/>
+        <p:txBody>
+          <a:bodyPr/>
+          <a:lstStyle/>
+          <a:p>
+            <a:r>
+              <a:rPr lang="ru-RU" dirty="0" smtClean="0"/>
+              <a:t>Контрольные вопросы</a:t>
+            </a:r>
+            <a:endParaRPr lang="ru-RU" dirty="0"/>
+          </a:p>
+        </p:txBody>
+      </p:sp>
+      <p:sp>
+        <p:nvSpPr>
+          <p:cNvPr id="3" name="Объект 2"/>
+          <p:cNvSpPr>
+            <a:spLocks noGrp="1"/>
+          </p:cNvSpPr>
+          <p:nvPr>
+            <p:ph idx="1"/>
+          </p:nvPr>
+        </p:nvSpPr>
+        <p:spPr/>
+        <p:txBody>
+          <a:bodyPr>
+            <a:normAutofit/>
+          </a:bodyPr>
+          <a:lstStyle/>
+          <a:p>
+            <a:pPr marL="0" lvl="0" indent="0">
+              <a:buNone/>
+            </a:pPr>
+            <a:r>
+              <a:rPr lang="ru-RU" dirty="0"/>
+              <a:t>В чём отличие машинного обучения от обычного программирования</a:t>
+            </a:r>
+            <a:r>
+              <a:rPr lang="ru-RU" dirty="0" smtClean="0"/>
+              <a:t>?</a:t>
+            </a:r>
+          </a:p>
+          <a:p>
+            <a:pPr lvl="0"/>
+            <a:endParaRPr lang="ru-RU" dirty="0"/>
+          </a:p>
+          <a:p>
+            <a:pPr lvl="1"/>
+            <a:r>
+              <a:rPr lang="ru-RU" dirty="0"/>
+              <a:t>Машинное обучение преобразует входные данные в логику и выходные данные.</a:t>
+            </a:r>
+          </a:p>
+          <a:p>
+            <a:pPr lvl="1"/>
+            <a:r>
+              <a:rPr lang="ru-RU" dirty="0"/>
+              <a:t>Машинное обучение преобразует входные данные и логику в выходные данные.</a:t>
+            </a:r>
+          </a:p>
+          <a:p>
+            <a:pPr lvl="1"/>
+            <a:r>
+              <a:rPr lang="ru-RU" dirty="0"/>
+              <a:t>Машинное обучение преобразует входные и выходные данные в логику.</a:t>
+            </a:r>
+          </a:p>
+          <a:p>
+            <a:pPr lvl="1"/>
+            <a:r>
+              <a:rPr lang="ru-RU" dirty="0"/>
+              <a:t>Машинное обучение преобразует логику в данные</a:t>
+            </a:r>
+            <a:r>
+              <a:rPr lang="ru-RU" dirty="0" smtClean="0"/>
+              <a:t>.</a:t>
+            </a:r>
+            <a:endParaRPr lang="ru-RU" dirty="0"/>
+          </a:p>
+        </p:txBody>
+      </p:sp>
+    </p:spTree>
+    <p:extLst>
+      <p:ext uri="{BB962C8B-B14F-4D97-AF65-F5344CB8AC3E}">
+        <p14:creationId xmlns:p14="http://schemas.microsoft.com/office/powerpoint/2010/main" val="672025713"/>
+      </p:ext>
+    </p:extLst>
+  </p:cSld>
+  <p:clrMapOvr>
+    <a:masterClrMapping/>
+  </p:clrMapOvr>
+</p:sld>
+</file>
+
+<file path=ppt/slides/slide39.xml><?xml version="1.0" encoding="utf-8"?>
+<p:sld xmlns:a="http://schemas.openxmlformats.org/drawingml/2006/main" xmlns:r="http://schemas.openxmlformats.org/officeDocument/2006/relationships" xmlns:p="http://schemas.openxmlformats.org/presentationml/2006/main">
+  <p:cSld>
+    <p:spTree>
+      <p:nvGrpSpPr>
+        <p:cNvPr id="1" name=""/>
+        <p:cNvGrpSpPr/>
+        <p:nvPr/>
+      </p:nvGrpSpPr>
+      <p:grpSpPr>
+        <a:xfrm>
+          <a:off x="0" y="0"/>
+          <a:ext cx="0" cy="0"/>
+          <a:chOff x="0" y="0"/>
+          <a:chExt cx="0" cy="0"/>
+        </a:xfrm>
+      </p:grpSpPr>
+      <p:sp>
+        <p:nvSpPr>
+          <p:cNvPr id="2" name="Заголовок 1"/>
+          <p:cNvSpPr>
+            <a:spLocks noGrp="1"/>
+          </p:cNvSpPr>
+          <p:nvPr>
+            <p:ph type="title"/>
+          </p:nvPr>
+        </p:nvSpPr>
+        <p:spPr/>
+        <p:txBody>
+          <a:bodyPr/>
+          <a:lstStyle/>
+          <a:p>
+            <a:r>
+              <a:rPr lang="ru-RU" dirty="0" smtClean="0"/>
+              <a:t>Контрольные вопросы</a:t>
+            </a:r>
+            <a:endParaRPr lang="ru-RU" dirty="0"/>
+          </a:p>
+        </p:txBody>
+      </p:sp>
+      <p:sp>
+        <p:nvSpPr>
+          <p:cNvPr id="3" name="Объект 2"/>
+          <p:cNvSpPr>
+            <a:spLocks noGrp="1"/>
+          </p:cNvSpPr>
+          <p:nvPr>
+            <p:ph idx="1"/>
+          </p:nvPr>
+        </p:nvSpPr>
+        <p:spPr/>
+        <p:txBody>
+          <a:bodyPr>
+            <a:normAutofit/>
+          </a:bodyPr>
+          <a:lstStyle/>
+          <a:p>
+            <a:pPr marL="0" lvl="0" indent="0">
+              <a:buNone/>
+            </a:pPr>
+            <a:r>
+              <a:rPr lang="ru-RU" dirty="0"/>
+              <a:t>Что такое задача машинного обучения</a:t>
+            </a:r>
+            <a:r>
+              <a:rPr lang="ru-RU" dirty="0" smtClean="0"/>
+              <a:t>?</a:t>
+            </a:r>
+          </a:p>
+          <a:p>
+            <a:pPr marL="0" lvl="0" indent="0">
+              <a:buNone/>
+            </a:pPr>
+            <a:endParaRPr lang="ru-RU" dirty="0"/>
+          </a:p>
+          <a:p>
+            <a:pPr lvl="1"/>
+            <a:r>
+              <a:rPr lang="ru-RU" dirty="0"/>
+              <a:t>Используя данные научиться решать задачу так, чтобы метрика производительности улучшалась.</a:t>
+            </a:r>
+          </a:p>
+          <a:p>
+            <a:pPr lvl="1"/>
+            <a:r>
+              <a:rPr lang="ru-RU" dirty="0"/>
+              <a:t>Используя данные и задачу, построить метрику производительности, которая будет улучшаться.</a:t>
+            </a:r>
+          </a:p>
+          <a:p>
+            <a:pPr lvl="1"/>
+            <a:r>
+              <a:rPr lang="ru-RU" dirty="0"/>
+              <a:t>Подобрать данные, при которых для данной задачи метрика производительности улучшается.</a:t>
+            </a:r>
+          </a:p>
+          <a:p>
+            <a:pPr lvl="1"/>
+            <a:r>
+              <a:rPr lang="ru-RU" dirty="0"/>
+              <a:t>Используя данные и задачу, выбрать метрику производительность, которая улучшается сильнее других</a:t>
+            </a:r>
+            <a:r>
+              <a:rPr lang="ru-RU" dirty="0" smtClean="0"/>
+              <a:t>.</a:t>
+            </a:r>
+            <a:endParaRPr lang="ru-RU" dirty="0"/>
+          </a:p>
+        </p:txBody>
+      </p:sp>
+    </p:spTree>
+    <p:extLst>
+      <p:ext uri="{BB962C8B-B14F-4D97-AF65-F5344CB8AC3E}">
+        <p14:creationId xmlns:p14="http://schemas.microsoft.com/office/powerpoint/2010/main" val="880169731"/>
+      </p:ext>
+    </p:extLst>
+  </p:cSld>
+  <p:clrMapOvr>
+    <a:masterClrMapping/>
+  </p:clrMapOvr>
+</p:sld>
+</file>
+
 <file path=ppt/slides/slide4.xml><?xml version="1.0" encoding="utf-8"?>
 <p:sld xmlns:a="http://schemas.openxmlformats.org/drawingml/2006/main" xmlns:r="http://schemas.openxmlformats.org/officeDocument/2006/relationships" xmlns:p="http://schemas.openxmlformats.org/presentationml/2006/main">
   <p:cSld>
@@ -10894,6 +11259,813 @@
       </p:par>
     </p:tnLst>
   </p:timing>
+</p:sld>
+</file>
+
+<file path=ppt/slides/slide40.xml><?xml version="1.0" encoding="utf-8"?>
+<p:sld xmlns:a="http://schemas.openxmlformats.org/drawingml/2006/main" xmlns:r="http://schemas.openxmlformats.org/officeDocument/2006/relationships" xmlns:p="http://schemas.openxmlformats.org/presentationml/2006/main">
+  <p:cSld>
+    <p:spTree>
+      <p:nvGrpSpPr>
+        <p:cNvPr id="1" name=""/>
+        <p:cNvGrpSpPr/>
+        <p:nvPr/>
+      </p:nvGrpSpPr>
+      <p:grpSpPr>
+        <a:xfrm>
+          <a:off x="0" y="0"/>
+          <a:ext cx="0" cy="0"/>
+          <a:chOff x="0" y="0"/>
+          <a:chExt cx="0" cy="0"/>
+        </a:xfrm>
+      </p:grpSpPr>
+      <p:sp>
+        <p:nvSpPr>
+          <p:cNvPr id="2" name="Заголовок 1"/>
+          <p:cNvSpPr>
+            <a:spLocks noGrp="1"/>
+          </p:cNvSpPr>
+          <p:nvPr>
+            <p:ph type="title"/>
+          </p:nvPr>
+        </p:nvSpPr>
+        <p:spPr/>
+        <p:txBody>
+          <a:bodyPr/>
+          <a:lstStyle/>
+          <a:p>
+            <a:r>
+              <a:rPr lang="ru-RU" dirty="0" smtClean="0"/>
+              <a:t>Контрольные вопросы</a:t>
+            </a:r>
+            <a:endParaRPr lang="ru-RU" dirty="0"/>
+          </a:p>
+        </p:txBody>
+      </p:sp>
+      <p:sp>
+        <p:nvSpPr>
+          <p:cNvPr id="3" name="Объект 2"/>
+          <p:cNvSpPr>
+            <a:spLocks noGrp="1"/>
+          </p:cNvSpPr>
+          <p:nvPr>
+            <p:ph idx="1"/>
+          </p:nvPr>
+        </p:nvSpPr>
+        <p:spPr/>
+        <p:txBody>
+          <a:bodyPr>
+            <a:normAutofit/>
+          </a:bodyPr>
+          <a:lstStyle/>
+          <a:p>
+            <a:pPr marL="0" lvl="0" indent="0">
+              <a:buNone/>
+            </a:pPr>
+            <a:r>
+              <a:rPr lang="ru-RU" dirty="0"/>
+              <a:t>Как связаны модель и алгоритм в машинном обучении</a:t>
+            </a:r>
+            <a:r>
+              <a:rPr lang="ru-RU" dirty="0" smtClean="0"/>
+              <a:t>?</a:t>
+            </a:r>
+          </a:p>
+          <a:p>
+            <a:pPr marL="0" lvl="0" indent="0">
+              <a:buNone/>
+            </a:pPr>
+            <a:endParaRPr lang="ru-RU" dirty="0"/>
+          </a:p>
+          <a:p>
+            <a:pPr lvl="1"/>
+            <a:r>
+              <a:rPr lang="ru-RU" dirty="0"/>
+              <a:t>Модель используется для построения алгоритма.</a:t>
+            </a:r>
+          </a:p>
+          <a:p>
+            <a:pPr lvl="1"/>
+            <a:r>
+              <a:rPr lang="ru-RU" dirty="0"/>
+              <a:t>Алгоритм используется для построения модели.</a:t>
+            </a:r>
+          </a:p>
+          <a:p>
+            <a:pPr lvl="1"/>
+            <a:r>
+              <a:rPr lang="ru-RU" dirty="0"/>
+              <a:t>Модель и алгоритма независимы и выводятся из данных.</a:t>
+            </a:r>
+          </a:p>
+          <a:p>
+            <a:pPr lvl="1"/>
+            <a:r>
+              <a:rPr lang="ru-RU" dirty="0"/>
+              <a:t>Модель и алгоритм – это одно и то же</a:t>
+            </a:r>
+            <a:r>
+              <a:rPr lang="ru-RU" dirty="0" smtClean="0"/>
+              <a:t>.</a:t>
+            </a:r>
+            <a:endParaRPr lang="ru-RU" dirty="0"/>
+          </a:p>
+        </p:txBody>
+      </p:sp>
+    </p:spTree>
+    <p:extLst>
+      <p:ext uri="{BB962C8B-B14F-4D97-AF65-F5344CB8AC3E}">
+        <p14:creationId xmlns:p14="http://schemas.microsoft.com/office/powerpoint/2010/main" val="3563739418"/>
+      </p:ext>
+    </p:extLst>
+  </p:cSld>
+  <p:clrMapOvr>
+    <a:masterClrMapping/>
+  </p:clrMapOvr>
+</p:sld>
+</file>
+
+<file path=ppt/slides/slide41.xml><?xml version="1.0" encoding="utf-8"?>
+<p:sld xmlns:a="http://schemas.openxmlformats.org/drawingml/2006/main" xmlns:r="http://schemas.openxmlformats.org/officeDocument/2006/relationships" xmlns:p="http://schemas.openxmlformats.org/presentationml/2006/main">
+  <p:cSld>
+    <p:spTree>
+      <p:nvGrpSpPr>
+        <p:cNvPr id="1" name=""/>
+        <p:cNvGrpSpPr/>
+        <p:nvPr/>
+      </p:nvGrpSpPr>
+      <p:grpSpPr>
+        <a:xfrm>
+          <a:off x="0" y="0"/>
+          <a:ext cx="0" cy="0"/>
+          <a:chOff x="0" y="0"/>
+          <a:chExt cx="0" cy="0"/>
+        </a:xfrm>
+      </p:grpSpPr>
+      <p:sp>
+        <p:nvSpPr>
+          <p:cNvPr id="2" name="Заголовок 1"/>
+          <p:cNvSpPr>
+            <a:spLocks noGrp="1"/>
+          </p:cNvSpPr>
+          <p:nvPr>
+            <p:ph type="title"/>
+          </p:nvPr>
+        </p:nvSpPr>
+        <p:spPr/>
+        <p:txBody>
+          <a:bodyPr/>
+          <a:lstStyle/>
+          <a:p>
+            <a:r>
+              <a:rPr lang="ru-RU" dirty="0" smtClean="0"/>
+              <a:t>Контрольные вопросы</a:t>
+            </a:r>
+            <a:endParaRPr lang="ru-RU" dirty="0"/>
+          </a:p>
+        </p:txBody>
+      </p:sp>
+      <p:sp>
+        <p:nvSpPr>
+          <p:cNvPr id="3" name="Объект 2"/>
+          <p:cNvSpPr>
+            <a:spLocks noGrp="1"/>
+          </p:cNvSpPr>
+          <p:nvPr>
+            <p:ph idx="1"/>
+          </p:nvPr>
+        </p:nvSpPr>
+        <p:spPr/>
+        <p:txBody>
+          <a:bodyPr>
+            <a:normAutofit/>
+          </a:bodyPr>
+          <a:lstStyle/>
+          <a:p>
+            <a:pPr marL="0" lvl="0" indent="0">
+              <a:buNone/>
+            </a:pPr>
+            <a:r>
+              <a:rPr lang="ru-RU" dirty="0"/>
+              <a:t>Как ведут себя параметры и </a:t>
+            </a:r>
+            <a:r>
+              <a:rPr lang="ru-RU" dirty="0" err="1"/>
+              <a:t>гиперпараметры</a:t>
+            </a:r>
+            <a:r>
+              <a:rPr lang="ru-RU" dirty="0"/>
+              <a:t> модели при её обучении</a:t>
+            </a:r>
+            <a:r>
+              <a:rPr lang="ru-RU" dirty="0" smtClean="0"/>
+              <a:t>?</a:t>
+            </a:r>
+          </a:p>
+          <a:p>
+            <a:pPr marL="0" lvl="0" indent="0">
+              <a:buNone/>
+            </a:pPr>
+            <a:endParaRPr lang="ru-RU" dirty="0"/>
+          </a:p>
+          <a:p>
+            <a:pPr lvl="1"/>
+            <a:r>
+              <a:rPr lang="ru-RU" dirty="0"/>
+              <a:t>Параметры и </a:t>
+            </a:r>
+            <a:r>
+              <a:rPr lang="ru-RU" dirty="0" err="1"/>
+              <a:t>гиперпараметры</a:t>
+            </a:r>
+            <a:r>
+              <a:rPr lang="ru-RU" dirty="0"/>
+              <a:t> могут изменяться.</a:t>
+            </a:r>
+          </a:p>
+          <a:p>
+            <a:pPr lvl="1"/>
+            <a:r>
+              <a:rPr lang="ru-RU" dirty="0"/>
+              <a:t>Параметры и </a:t>
+            </a:r>
+            <a:r>
+              <a:rPr lang="ru-RU" dirty="0" err="1"/>
+              <a:t>гиперпараметры</a:t>
+            </a:r>
+            <a:r>
+              <a:rPr lang="ru-RU" dirty="0"/>
+              <a:t> не могут изменяться.</a:t>
+            </a:r>
+          </a:p>
+          <a:p>
+            <a:pPr lvl="1"/>
+            <a:r>
+              <a:rPr lang="ru-RU" dirty="0"/>
+              <a:t>Параметры могут изменяться, </a:t>
+            </a:r>
+            <a:r>
+              <a:rPr lang="ru-RU" dirty="0" err="1"/>
+              <a:t>гиперпараметры</a:t>
+            </a:r>
+            <a:r>
+              <a:rPr lang="ru-RU" dirty="0"/>
+              <a:t> не могут изменяться.</a:t>
+            </a:r>
+          </a:p>
+          <a:p>
+            <a:pPr lvl="1"/>
+            <a:r>
+              <a:rPr lang="ru-RU" dirty="0"/>
+              <a:t>Параметры не могут изменяться, </a:t>
+            </a:r>
+            <a:r>
+              <a:rPr lang="ru-RU" dirty="0" err="1"/>
+              <a:t>гиперпараметры</a:t>
+            </a:r>
+            <a:r>
+              <a:rPr lang="ru-RU" dirty="0"/>
+              <a:t> могут изменяться</a:t>
+            </a:r>
+            <a:r>
+              <a:rPr lang="ru-RU" dirty="0" smtClean="0"/>
+              <a:t>.</a:t>
+            </a:r>
+            <a:endParaRPr lang="ru-RU" dirty="0"/>
+          </a:p>
+        </p:txBody>
+      </p:sp>
+    </p:spTree>
+    <p:extLst>
+      <p:ext uri="{BB962C8B-B14F-4D97-AF65-F5344CB8AC3E}">
+        <p14:creationId xmlns:p14="http://schemas.microsoft.com/office/powerpoint/2010/main" val="2610999628"/>
+      </p:ext>
+    </p:extLst>
+  </p:cSld>
+  <p:clrMapOvr>
+    <a:masterClrMapping/>
+  </p:clrMapOvr>
+</p:sld>
+</file>
+
+<file path=ppt/slides/slide42.xml><?xml version="1.0" encoding="utf-8"?>
+<p:sld xmlns:a="http://schemas.openxmlformats.org/drawingml/2006/main" xmlns:r="http://schemas.openxmlformats.org/officeDocument/2006/relationships" xmlns:p="http://schemas.openxmlformats.org/presentationml/2006/main">
+  <p:cSld>
+    <p:spTree>
+      <p:nvGrpSpPr>
+        <p:cNvPr id="1" name=""/>
+        <p:cNvGrpSpPr/>
+        <p:nvPr/>
+      </p:nvGrpSpPr>
+      <p:grpSpPr>
+        <a:xfrm>
+          <a:off x="0" y="0"/>
+          <a:ext cx="0" cy="0"/>
+          <a:chOff x="0" y="0"/>
+          <a:chExt cx="0" cy="0"/>
+        </a:xfrm>
+      </p:grpSpPr>
+      <p:sp>
+        <p:nvSpPr>
+          <p:cNvPr id="2" name="Заголовок 1"/>
+          <p:cNvSpPr>
+            <a:spLocks noGrp="1"/>
+          </p:cNvSpPr>
+          <p:nvPr>
+            <p:ph type="title"/>
+          </p:nvPr>
+        </p:nvSpPr>
+        <p:spPr/>
+        <p:txBody>
+          <a:bodyPr/>
+          <a:lstStyle/>
+          <a:p>
+            <a:r>
+              <a:rPr lang="ru-RU" dirty="0" smtClean="0"/>
+              <a:t>Контрольные вопросы</a:t>
+            </a:r>
+            <a:endParaRPr lang="ru-RU" dirty="0"/>
+          </a:p>
+        </p:txBody>
+      </p:sp>
+      <p:sp>
+        <p:nvSpPr>
+          <p:cNvPr id="3" name="Объект 2"/>
+          <p:cNvSpPr>
+            <a:spLocks noGrp="1"/>
+          </p:cNvSpPr>
+          <p:nvPr>
+            <p:ph idx="1"/>
+          </p:nvPr>
+        </p:nvSpPr>
+        <p:spPr/>
+        <p:txBody>
+          <a:bodyPr>
+            <a:normAutofit/>
+          </a:bodyPr>
+          <a:lstStyle/>
+          <a:p>
+            <a:pPr marL="0" lvl="0" indent="0">
+              <a:buNone/>
+            </a:pPr>
+            <a:r>
+              <a:rPr lang="ru-RU" dirty="0"/>
+              <a:t>Что из этого не является методом борьбы с переобучением модели</a:t>
+            </a:r>
+            <a:r>
+              <a:rPr lang="ru-RU" dirty="0" smtClean="0"/>
+              <a:t>?</a:t>
+            </a:r>
+          </a:p>
+          <a:p>
+            <a:pPr marL="0" lvl="0" indent="0">
+              <a:buNone/>
+            </a:pPr>
+            <a:endParaRPr lang="ru-RU" dirty="0"/>
+          </a:p>
+          <a:p>
+            <a:pPr lvl="1"/>
+            <a:r>
+              <a:rPr lang="ru-RU" dirty="0"/>
+              <a:t>Увеличение количества данных.</a:t>
+            </a:r>
+          </a:p>
+          <a:p>
+            <a:pPr lvl="1"/>
+            <a:r>
+              <a:rPr lang="ru-RU" dirty="0"/>
+              <a:t>Упрощение модели.</a:t>
+            </a:r>
+          </a:p>
+          <a:p>
+            <a:pPr lvl="1"/>
+            <a:r>
+              <a:rPr lang="ru-RU" dirty="0"/>
+              <a:t>Увеличение тестовой выборки.</a:t>
+            </a:r>
+          </a:p>
+          <a:p>
+            <a:pPr lvl="1"/>
+            <a:r>
+              <a:rPr lang="ru-RU" dirty="0"/>
+              <a:t>Уменьшение времени обучения</a:t>
+            </a:r>
+            <a:r>
+              <a:rPr lang="ru-RU" dirty="0" smtClean="0"/>
+              <a:t>.</a:t>
+            </a:r>
+            <a:endParaRPr lang="ru-RU" dirty="0"/>
+          </a:p>
+        </p:txBody>
+      </p:sp>
+    </p:spTree>
+    <p:extLst>
+      <p:ext uri="{BB962C8B-B14F-4D97-AF65-F5344CB8AC3E}">
+        <p14:creationId xmlns:p14="http://schemas.microsoft.com/office/powerpoint/2010/main" val="3654605546"/>
+      </p:ext>
+    </p:extLst>
+  </p:cSld>
+  <p:clrMapOvr>
+    <a:masterClrMapping/>
+  </p:clrMapOvr>
+</p:sld>
+</file>
+
+<file path=ppt/slides/slide43.xml><?xml version="1.0" encoding="utf-8"?>
+<p:sld xmlns:a="http://schemas.openxmlformats.org/drawingml/2006/main" xmlns:r="http://schemas.openxmlformats.org/officeDocument/2006/relationships" xmlns:p="http://schemas.openxmlformats.org/presentationml/2006/main">
+  <p:cSld>
+    <p:spTree>
+      <p:nvGrpSpPr>
+        <p:cNvPr id="1" name=""/>
+        <p:cNvGrpSpPr/>
+        <p:nvPr/>
+      </p:nvGrpSpPr>
+      <p:grpSpPr>
+        <a:xfrm>
+          <a:off x="0" y="0"/>
+          <a:ext cx="0" cy="0"/>
+          <a:chOff x="0" y="0"/>
+          <a:chExt cx="0" cy="0"/>
+        </a:xfrm>
+      </p:grpSpPr>
+      <p:sp>
+        <p:nvSpPr>
+          <p:cNvPr id="2" name="Заголовок 1"/>
+          <p:cNvSpPr>
+            <a:spLocks noGrp="1"/>
+          </p:cNvSpPr>
+          <p:nvPr>
+            <p:ph type="title"/>
+          </p:nvPr>
+        </p:nvSpPr>
+        <p:spPr/>
+        <p:txBody>
+          <a:bodyPr/>
+          <a:lstStyle/>
+          <a:p>
+            <a:r>
+              <a:rPr lang="ru-RU" dirty="0" smtClean="0"/>
+              <a:t>Контрольные вопросы</a:t>
+            </a:r>
+            <a:endParaRPr lang="ru-RU" dirty="0"/>
+          </a:p>
+        </p:txBody>
+      </p:sp>
+      <p:sp>
+        <p:nvSpPr>
+          <p:cNvPr id="3" name="Объект 2"/>
+          <p:cNvSpPr>
+            <a:spLocks noGrp="1"/>
+          </p:cNvSpPr>
+          <p:nvPr>
+            <p:ph idx="1"/>
+          </p:nvPr>
+        </p:nvSpPr>
+        <p:spPr/>
+        <p:txBody>
+          <a:bodyPr>
+            <a:normAutofit/>
+          </a:bodyPr>
+          <a:lstStyle/>
+          <a:p>
+            <a:pPr marL="0" lvl="0" indent="0">
+              <a:buNone/>
+            </a:pPr>
+            <a:r>
+              <a:rPr lang="ru-RU" dirty="0"/>
+              <a:t>Что из этого не является методом борьбы с </a:t>
+            </a:r>
+            <a:r>
+              <a:rPr lang="ru-RU" dirty="0" err="1"/>
+              <a:t>недообучением</a:t>
+            </a:r>
+            <a:r>
+              <a:rPr lang="ru-RU" dirty="0"/>
+              <a:t> модели</a:t>
+            </a:r>
+            <a:r>
+              <a:rPr lang="ru-RU" dirty="0" smtClean="0"/>
+              <a:t>?</a:t>
+            </a:r>
+          </a:p>
+          <a:p>
+            <a:pPr marL="0" lvl="0" indent="0">
+              <a:buNone/>
+            </a:pPr>
+            <a:endParaRPr lang="ru-RU" dirty="0"/>
+          </a:p>
+          <a:p>
+            <a:pPr lvl="1"/>
+            <a:r>
+              <a:rPr lang="ru-RU" dirty="0"/>
+              <a:t>Усложнение модели.</a:t>
+            </a:r>
+          </a:p>
+          <a:p>
+            <a:pPr lvl="1"/>
+            <a:r>
+              <a:rPr lang="ru-RU" dirty="0"/>
+              <a:t>Увеличение размерности данных.</a:t>
+            </a:r>
+          </a:p>
+          <a:p>
+            <a:pPr lvl="1"/>
+            <a:r>
+              <a:rPr lang="ru-RU" dirty="0"/>
+              <a:t>Уменьшение шума в данных.</a:t>
+            </a:r>
+          </a:p>
+          <a:p>
+            <a:pPr lvl="1"/>
+            <a:r>
+              <a:rPr lang="ru-RU" dirty="0"/>
+              <a:t>Уменьшение времени обучения.</a:t>
+            </a:r>
+          </a:p>
+          <a:p>
+            <a:pPr marL="0" indent="0">
+              <a:buNone/>
+            </a:pPr>
+            <a:endParaRPr lang="ru-RU" dirty="0"/>
+          </a:p>
+          <a:p>
+            <a:endParaRPr lang="ru-RU" dirty="0"/>
+          </a:p>
+          <a:p>
+            <a:endParaRPr lang="ru-RU" dirty="0"/>
+          </a:p>
+          <a:p>
+            <a:endParaRPr lang="ru-RU" dirty="0"/>
+          </a:p>
+          <a:p>
+            <a:endParaRPr lang="ru-RU" dirty="0"/>
+          </a:p>
+        </p:txBody>
+      </p:sp>
+    </p:spTree>
+    <p:extLst>
+      <p:ext uri="{BB962C8B-B14F-4D97-AF65-F5344CB8AC3E}">
+        <p14:creationId xmlns:p14="http://schemas.microsoft.com/office/powerpoint/2010/main" val="3564782260"/>
+      </p:ext>
+    </p:extLst>
+  </p:cSld>
+  <p:clrMapOvr>
+    <a:masterClrMapping/>
+  </p:clrMapOvr>
+</p:sld>
+</file>
+
+<file path=ppt/slides/slide44.xml><?xml version="1.0" encoding="utf-8"?>
+<p:sld xmlns:a="http://schemas.openxmlformats.org/drawingml/2006/main" xmlns:r="http://schemas.openxmlformats.org/officeDocument/2006/relationships" xmlns:p="http://schemas.openxmlformats.org/presentationml/2006/main">
+  <p:cSld>
+    <p:spTree>
+      <p:nvGrpSpPr>
+        <p:cNvPr id="1" name=""/>
+        <p:cNvGrpSpPr/>
+        <p:nvPr/>
+      </p:nvGrpSpPr>
+      <p:grpSpPr>
+        <a:xfrm>
+          <a:off x="0" y="0"/>
+          <a:ext cx="0" cy="0"/>
+          <a:chOff x="0" y="0"/>
+          <a:chExt cx="0" cy="0"/>
+        </a:xfrm>
+      </p:grpSpPr>
+      <p:sp>
+        <p:nvSpPr>
+          <p:cNvPr id="2" name="Заголовок 1"/>
+          <p:cNvSpPr>
+            <a:spLocks noGrp="1"/>
+          </p:cNvSpPr>
+          <p:nvPr>
+            <p:ph type="title"/>
+          </p:nvPr>
+        </p:nvSpPr>
+        <p:spPr/>
+        <p:txBody>
+          <a:bodyPr/>
+          <a:lstStyle/>
+          <a:p>
+            <a:r>
+              <a:rPr lang="ru-RU" dirty="0" smtClean="0"/>
+              <a:t>Контрольные вопросы</a:t>
+            </a:r>
+            <a:endParaRPr lang="ru-RU" dirty="0"/>
+          </a:p>
+        </p:txBody>
+      </p:sp>
+      <p:sp>
+        <p:nvSpPr>
+          <p:cNvPr id="3" name="Объект 2"/>
+          <p:cNvSpPr>
+            <a:spLocks noGrp="1"/>
+          </p:cNvSpPr>
+          <p:nvPr>
+            <p:ph idx="1"/>
+          </p:nvPr>
+        </p:nvSpPr>
+        <p:spPr/>
+        <p:txBody>
+          <a:bodyPr>
+            <a:normAutofit/>
+          </a:bodyPr>
+          <a:lstStyle/>
+          <a:p>
+            <a:pPr marL="0" lvl="0" indent="0">
+              <a:buNone/>
+            </a:pPr>
+            <a:r>
+              <a:rPr lang="ru-RU" dirty="0"/>
+              <a:t>В чём основная цель кросс-</a:t>
+            </a:r>
+            <a:r>
+              <a:rPr lang="ru-RU" dirty="0" err="1"/>
+              <a:t>валидации</a:t>
+            </a:r>
+            <a:r>
+              <a:rPr lang="ru-RU" dirty="0" smtClean="0"/>
+              <a:t>?</a:t>
+            </a:r>
+          </a:p>
+          <a:p>
+            <a:pPr marL="0" lvl="0" indent="0">
+              <a:buNone/>
+            </a:pPr>
+            <a:endParaRPr lang="ru-RU" dirty="0"/>
+          </a:p>
+          <a:p>
+            <a:pPr lvl="1"/>
+            <a:r>
+              <a:rPr lang="ru-RU" dirty="0"/>
+              <a:t>Найти самый эффективный размер обучающей выборки.</a:t>
+            </a:r>
+          </a:p>
+          <a:p>
+            <a:pPr lvl="1"/>
+            <a:r>
+              <a:rPr lang="ru-RU" dirty="0"/>
+              <a:t>Оценить эффективности модели, используя все имеющиеся данные.</a:t>
+            </a:r>
+          </a:p>
+          <a:p>
+            <a:pPr lvl="1"/>
+            <a:r>
+              <a:rPr lang="ru-RU" dirty="0"/>
+              <a:t>Настроить </a:t>
+            </a:r>
+            <a:r>
+              <a:rPr lang="ru-RU" dirty="0" err="1"/>
+              <a:t>гиперпараметры</a:t>
+            </a:r>
+            <a:r>
+              <a:rPr lang="ru-RU" dirty="0"/>
+              <a:t> модели.</a:t>
+            </a:r>
+          </a:p>
+          <a:p>
+            <a:pPr lvl="1"/>
+            <a:r>
+              <a:rPr lang="ru-RU" dirty="0"/>
+              <a:t>Убедиться, что ошибка работы модели минимальна</a:t>
+            </a:r>
+            <a:r>
+              <a:rPr lang="ru-RU" dirty="0" smtClean="0"/>
+              <a:t>.</a:t>
+            </a:r>
+            <a:endParaRPr lang="ru-RU" dirty="0"/>
+          </a:p>
+        </p:txBody>
+      </p:sp>
+    </p:spTree>
+    <p:extLst>
+      <p:ext uri="{BB962C8B-B14F-4D97-AF65-F5344CB8AC3E}">
+        <p14:creationId xmlns:p14="http://schemas.microsoft.com/office/powerpoint/2010/main" val="2097108863"/>
+      </p:ext>
+    </p:extLst>
+  </p:cSld>
+  <p:clrMapOvr>
+    <a:masterClrMapping/>
+  </p:clrMapOvr>
+</p:sld>
+</file>
+
+<file path=ppt/slides/slide45.xml><?xml version="1.0" encoding="utf-8"?>
+<p:sld xmlns:a="http://schemas.openxmlformats.org/drawingml/2006/main" xmlns:r="http://schemas.openxmlformats.org/officeDocument/2006/relationships" xmlns:p="http://schemas.openxmlformats.org/presentationml/2006/main">
+  <p:cSld>
+    <p:spTree>
+      <p:nvGrpSpPr>
+        <p:cNvPr id="1" name=""/>
+        <p:cNvGrpSpPr/>
+        <p:nvPr/>
+      </p:nvGrpSpPr>
+      <p:grpSpPr>
+        <a:xfrm>
+          <a:off x="0" y="0"/>
+          <a:ext cx="0" cy="0"/>
+          <a:chOff x="0" y="0"/>
+          <a:chExt cx="0" cy="0"/>
+        </a:xfrm>
+      </p:grpSpPr>
+      <p:sp>
+        <p:nvSpPr>
+          <p:cNvPr id="2" name="Заголовок 1"/>
+          <p:cNvSpPr>
+            <a:spLocks noGrp="1"/>
+          </p:cNvSpPr>
+          <p:nvPr>
+            <p:ph type="title"/>
+          </p:nvPr>
+        </p:nvSpPr>
+        <p:spPr/>
+        <p:txBody>
+          <a:bodyPr/>
+          <a:lstStyle/>
+          <a:p>
+            <a:r>
+              <a:rPr lang="ru-RU" dirty="0" smtClean="0"/>
+              <a:t>Контрольные вопросы</a:t>
+            </a:r>
+            <a:endParaRPr lang="ru-RU" dirty="0"/>
+          </a:p>
+        </p:txBody>
+      </p:sp>
+      <p:sp>
+        <p:nvSpPr>
+          <p:cNvPr id="3" name="Объект 2"/>
+          <p:cNvSpPr>
+            <a:spLocks noGrp="1"/>
+          </p:cNvSpPr>
+          <p:nvPr>
+            <p:ph idx="1"/>
+          </p:nvPr>
+        </p:nvSpPr>
+        <p:spPr/>
+        <p:txBody>
+          <a:bodyPr/>
+          <a:lstStyle/>
+          <a:p>
+            <a:pPr marL="0" lvl="0" indent="0">
+              <a:buNone/>
+            </a:pPr>
+            <a:r>
+              <a:rPr lang="ru-RU" dirty="0"/>
+              <a:t>Что из этого не является требованием к интерпретации модели машинного обучения</a:t>
+            </a:r>
+            <a:r>
+              <a:rPr lang="ru-RU" dirty="0" smtClean="0"/>
+              <a:t>?</a:t>
+            </a:r>
+          </a:p>
+          <a:p>
+            <a:pPr lvl="0"/>
+            <a:endParaRPr lang="ru-RU" dirty="0"/>
+          </a:p>
+          <a:p>
+            <a:pPr lvl="1"/>
+            <a:r>
+              <a:rPr lang="ru-RU" dirty="0"/>
+              <a:t>Соответствие экспертным ожиданиям.</a:t>
+            </a:r>
+          </a:p>
+          <a:p>
+            <a:pPr lvl="1"/>
+            <a:r>
+              <a:rPr lang="ru-RU" dirty="0"/>
+              <a:t>Высокая скорость.</a:t>
+            </a:r>
+          </a:p>
+          <a:p>
+            <a:pPr lvl="1"/>
+            <a:r>
+              <a:rPr lang="ru-RU" dirty="0"/>
+              <a:t>Возможность сравнения результатов работы модели для разных данных.</a:t>
+            </a:r>
+          </a:p>
+          <a:p>
+            <a:pPr lvl="1"/>
+            <a:r>
+              <a:rPr lang="ru-RU" dirty="0"/>
+              <a:t>Краткость выводов</a:t>
+            </a:r>
+            <a:r>
+              <a:rPr lang="ru-RU" dirty="0" smtClean="0"/>
+              <a:t>.</a:t>
+            </a:r>
+            <a:endParaRPr lang="ru-RU" dirty="0"/>
+          </a:p>
+        </p:txBody>
+      </p:sp>
+    </p:spTree>
+    <p:extLst>
+      <p:ext uri="{BB962C8B-B14F-4D97-AF65-F5344CB8AC3E}">
+        <p14:creationId xmlns:p14="http://schemas.microsoft.com/office/powerpoint/2010/main" val="880128632"/>
+      </p:ext>
+    </p:extLst>
+  </p:cSld>
+  <p:clrMapOvr>
+    <a:masterClrMapping/>
+  </p:clrMapOvr>
 </p:sld>
 </file>
 
@@ -11557,11 +12729,7 @@
             </a:r>
             <a:r>
               <a:rPr lang="en-US" dirty="0" smtClean="0"/>
-              <a:t> </a:t>
-            </a:r>
-            <a:r>
-              <a:rPr lang="en-US" dirty="0" smtClean="0"/>
-              <a:t>– </a:t>
+              <a:t> – </a:t>
             </a:r>
             <a:r>
               <a:rPr lang="ru-RU" dirty="0" smtClean="0"/>
@@ -11623,11 +12791,7 @@
             </a:r>
             <a:r>
               <a:rPr lang="ru-RU" dirty="0" smtClean="0"/>
-              <a:t> </a:t>
-            </a:r>
-            <a:r>
-              <a:rPr lang="ru-RU" dirty="0" smtClean="0"/>
-              <a:t>научить компьютер решать задачу </a:t>
+              <a:t> научить компьютер решать задачу </a:t>
             </a:r>
             <a:r>
               <a:rPr lang="en-US" dirty="0" smtClean="0"/>

--- a/Лекция 1 09_09_2020.pptx
+++ b/Лекция 1 09_09_2020.pptx
@@ -313,7 +313,7 @@
           <a:p>
             <a:fld id="{9F4DF3D0-C105-404D-A43B-7CBA1B97B744}" type="datetimeFigureOut">
               <a:rPr lang="ru-RU" smtClean="0"/>
-              <a:t>18.09.2020</a:t>
+              <a:t>01.09.2021</a:t>
             </a:fld>
             <a:endParaRPr lang="ru-RU"/>
           </a:p>
@@ -483,7 +483,7 @@
           <a:p>
             <a:fld id="{9F4DF3D0-C105-404D-A43B-7CBA1B97B744}" type="datetimeFigureOut">
               <a:rPr lang="ru-RU" smtClean="0"/>
-              <a:t>18.09.2020</a:t>
+              <a:t>01.09.2021</a:t>
             </a:fld>
             <a:endParaRPr lang="ru-RU"/>
           </a:p>
@@ -663,7 +663,7 @@
           <a:p>
             <a:fld id="{9F4DF3D0-C105-404D-A43B-7CBA1B97B744}" type="datetimeFigureOut">
               <a:rPr lang="ru-RU" smtClean="0"/>
-              <a:t>18.09.2020</a:t>
+              <a:t>01.09.2021</a:t>
             </a:fld>
             <a:endParaRPr lang="ru-RU"/>
           </a:p>
@@ -833,7 +833,7 @@
           <a:p>
             <a:fld id="{9F4DF3D0-C105-404D-A43B-7CBA1B97B744}" type="datetimeFigureOut">
               <a:rPr lang="ru-RU" smtClean="0"/>
-              <a:t>18.09.2020</a:t>
+              <a:t>01.09.2021</a:t>
             </a:fld>
             <a:endParaRPr lang="ru-RU"/>
           </a:p>
@@ -1079,7 +1079,7 @@
           <a:p>
             <a:fld id="{9F4DF3D0-C105-404D-A43B-7CBA1B97B744}" type="datetimeFigureOut">
               <a:rPr lang="ru-RU" smtClean="0"/>
-              <a:t>18.09.2020</a:t>
+              <a:t>01.09.2021</a:t>
             </a:fld>
             <a:endParaRPr lang="ru-RU"/>
           </a:p>
@@ -1311,7 +1311,7 @@
           <a:p>
             <a:fld id="{9F4DF3D0-C105-404D-A43B-7CBA1B97B744}" type="datetimeFigureOut">
               <a:rPr lang="ru-RU" smtClean="0"/>
-              <a:t>18.09.2020</a:t>
+              <a:t>01.09.2021</a:t>
             </a:fld>
             <a:endParaRPr lang="ru-RU"/>
           </a:p>
@@ -1678,7 +1678,7 @@
           <a:p>
             <a:fld id="{9F4DF3D0-C105-404D-A43B-7CBA1B97B744}" type="datetimeFigureOut">
               <a:rPr lang="ru-RU" smtClean="0"/>
-              <a:t>18.09.2020</a:t>
+              <a:t>01.09.2021</a:t>
             </a:fld>
             <a:endParaRPr lang="ru-RU"/>
           </a:p>
@@ -1796,7 +1796,7 @@
           <a:p>
             <a:fld id="{9F4DF3D0-C105-404D-A43B-7CBA1B97B744}" type="datetimeFigureOut">
               <a:rPr lang="ru-RU" smtClean="0"/>
-              <a:t>18.09.2020</a:t>
+              <a:t>01.09.2021</a:t>
             </a:fld>
             <a:endParaRPr lang="ru-RU"/>
           </a:p>
@@ -1891,7 +1891,7 @@
           <a:p>
             <a:fld id="{9F4DF3D0-C105-404D-A43B-7CBA1B97B744}" type="datetimeFigureOut">
               <a:rPr lang="ru-RU" smtClean="0"/>
-              <a:t>18.09.2020</a:t>
+              <a:t>01.09.2021</a:t>
             </a:fld>
             <a:endParaRPr lang="ru-RU"/>
           </a:p>
@@ -2168,7 +2168,7 @@
           <a:p>
             <a:fld id="{9F4DF3D0-C105-404D-A43B-7CBA1B97B744}" type="datetimeFigureOut">
               <a:rPr lang="ru-RU" smtClean="0"/>
-              <a:t>18.09.2020</a:t>
+              <a:t>01.09.2021</a:t>
             </a:fld>
             <a:endParaRPr lang="ru-RU"/>
           </a:p>
@@ -2421,7 +2421,7 @@
           <a:p>
             <a:fld id="{9F4DF3D0-C105-404D-A43B-7CBA1B97B744}" type="datetimeFigureOut">
               <a:rPr lang="ru-RU" smtClean="0"/>
-              <a:t>18.09.2020</a:t>
+              <a:t>01.09.2021</a:t>
             </a:fld>
             <a:endParaRPr lang="ru-RU"/>
           </a:p>
@@ -2634,7 +2634,7 @@
           <a:p>
             <a:fld id="{9F4DF3D0-C105-404D-A43B-7CBA1B97B744}" type="datetimeFigureOut">
               <a:rPr lang="ru-RU" smtClean="0"/>
-              <a:t>18.09.2020</a:t>
+              <a:t>01.09.2021</a:t>
             </a:fld>
             <a:endParaRPr lang="ru-RU"/>
           </a:p>
@@ -4215,7 +4215,7 @@
         </p:nvSpPr>
         <p:spPr>
           <a:xfrm>
-            <a:off x="8431482" y="4341814"/>
+            <a:off x="9678392" y="5576845"/>
             <a:ext cx="1235032" cy="1028761"/>
           </a:xfrm>
           <a:prstGeom prst="rect">
@@ -4259,7 +4259,7 @@
         </p:nvSpPr>
         <p:spPr>
           <a:xfrm>
-            <a:off x="9666514" y="5615321"/>
+            <a:off x="8478977" y="4344657"/>
             <a:ext cx="1175657" cy="1028761"/>
           </a:xfrm>
           <a:prstGeom prst="rect">
@@ -5867,7 +5867,7 @@
         </p:nvSpPr>
         <p:spPr>
           <a:xfrm>
-            <a:off x="5628904" y="3028208"/>
+            <a:off x="6151423" y="3028208"/>
             <a:ext cx="1674421" cy="1971304"/>
           </a:xfrm>
           <a:prstGeom prst="downArrow">
